--- a/MVC/MVC_PPT.pptx
+++ b/MVC/MVC_PPT.pptx
@@ -5,12 +5,13 @@
     <p:sldMasterId id="2147483648" r:id="rId1"/>
   </p:sldMasterIdLst>
   <p:sldIdLst>
-    <p:sldId id="256" r:id="rId2"/>
-    <p:sldId id="257" r:id="rId3"/>
-    <p:sldId id="258" r:id="rId4"/>
-    <p:sldId id="259" r:id="rId5"/>
-    <p:sldId id="260" r:id="rId6"/>
-    <p:sldId id="261" r:id="rId7"/>
+    <p:sldId id="262" r:id="rId2"/>
+    <p:sldId id="256" r:id="rId3"/>
+    <p:sldId id="257" r:id="rId4"/>
+    <p:sldId id="258" r:id="rId5"/>
+    <p:sldId id="259" r:id="rId6"/>
+    <p:sldId id="260" r:id="rId7"/>
+    <p:sldId id="261" r:id="rId8"/>
   </p:sldIdLst>
   <p:sldSz cx="9144000" cy="6858000" type="screen4x3"/>
   <p:notesSz cx="6858000" cy="9144000"/>
@@ -3102,14 +3103,14 @@
       </p:grpSpPr>
       <p:sp>
         <p:nvSpPr>
-          <p:cNvPr id="5" name="Rectangle 4"/>
+          <p:cNvPr id="2" name="Rectangle 1"/>
           <p:cNvSpPr/>
           <p:nvPr/>
         </p:nvSpPr>
         <p:spPr>
           <a:xfrm>
-            <a:off x="228600" y="228600"/>
-            <a:ext cx="8610600" cy="6186309"/>
+            <a:off x="228600" y="304800"/>
+            <a:ext cx="8763000" cy="4524315"/>
           </a:xfrm>
           <a:prstGeom prst="rect">
             <a:avLst/>
@@ -3121,25 +3122,9 @@
           </a:bodyPr>
           <a:lstStyle/>
           <a:p>
-            <a:pPr marL="285750" indent="-285750">
-              <a:buFont typeface="Arial" panose="020B0604020202020204" pitchFamily="34" charset="0"/>
-              <a:buChar char="•"/>
-            </a:pPr>
             <a:r>
               <a:rPr lang="en-US" dirty="0"/>
-              <a:t>In ASP.NET MVC application, we can pass the model data from a controller to a view in many ways such as by using </a:t>
-            </a:r>
-            <a:r>
-              <a:rPr lang="en-US" dirty="0" smtClean="0"/>
-              <a:t>ViewBag, </a:t>
-            </a:r>
-            <a:r>
-              <a:rPr lang="en-US" dirty="0"/>
-              <a:t>ViewData, TempData</a:t>
-            </a:r>
-            <a:r>
-              <a:rPr lang="en-US" dirty="0" smtClean="0"/>
-              <a:t>.</a:t>
+              <a:t>In ASP.NET MVC application, we can pass the model data from a controller to a view in many ways such as by using ViewBag, ViewData, TempData.</a:t>
             </a:r>
           </a:p>
           <a:p>
@@ -3150,22 +3135,198 @@
             <a:endParaRPr lang="en-US" dirty="0"/>
           </a:p>
           <a:p>
-            <a:pPr marL="285750" indent="-285750">
-              <a:buFont typeface="Arial" panose="020B0604020202020204" pitchFamily="34" charset="0"/>
-              <a:buChar char="•"/>
-            </a:pPr>
+            <a:r>
+              <a:rPr lang="en-US" dirty="0"/>
+              <a:t>When to use ViewData, ViewBag, TempData?</a:t>
+            </a:r>
+          </a:p>
+          <a:p>
+            <a:pPr fontAlgn="base"/>
+            <a:endParaRPr lang="en-US" b="1" dirty="0" smtClean="0"/>
+          </a:p>
+          <a:p>
+            <a:pPr fontAlgn="base"/>
+            <a:r>
+              <a:rPr lang="en-US" b="1" dirty="0" smtClean="0"/>
+              <a:t>ViewBag </a:t>
+            </a:r>
+            <a:r>
+              <a:rPr lang="en-US" b="1" dirty="0"/>
+              <a:t>in ASP.NET MVC </a:t>
+            </a:r>
+            <a:r>
+              <a:rPr lang="en-US" b="1" dirty="0" smtClean="0"/>
+              <a:t>Application</a:t>
+            </a:r>
+          </a:p>
+          <a:p>
+            <a:pPr fontAlgn="base"/>
+            <a:endParaRPr lang="en-US" b="1" dirty="0"/>
+          </a:p>
+          <a:p>
+            <a:pPr fontAlgn="base"/>
+            <a:r>
+              <a:rPr lang="en-US" dirty="0"/>
+              <a:t>The ViewBag in MVC is one of the mechanisms to pass the data from a controller to a view</a:t>
+            </a:r>
             <a:r>
               <a:rPr lang="en-US" dirty="0" smtClean="0"/>
-              <a:t>When </a:t>
-            </a:r>
+              <a:t>.</a:t>
+            </a:r>
+          </a:p>
+          <a:p>
+            <a:pPr fontAlgn="base"/>
+            <a:endParaRPr lang="en-US" dirty="0" smtClean="0"/>
+          </a:p>
+          <a:p>
+            <a:pPr fontAlgn="base"/>
+            <a:r>
+              <a:rPr lang="en-US" b="1" dirty="0"/>
+              <a:t>How to Pass and Retrieve data From ViewBag in ASP.NET MVC?</a:t>
+            </a:r>
+            <a:endParaRPr lang="en-US" dirty="0"/>
+          </a:p>
+          <a:p>
+            <a:pPr fontAlgn="base"/>
             <a:r>
               <a:rPr lang="en-US" dirty="0"/>
-              <a:t>to use ViewData, ViewBag, </a:t>
-            </a:r>
-            <a:r>
-              <a:rPr lang="en-US" dirty="0" smtClean="0"/>
-              <a:t>TempData?</a:t>
-            </a:r>
+              <a:t>As the ViewBag is operating on the new dynamic data type. The advantage is that we do not require typecasting while accessing the data from a ViewBag irrespective of the data that we are accessing. </a:t>
+            </a:r>
+          </a:p>
+          <a:p>
+            <a:pPr fontAlgn="base"/>
+            <a:r>
+              <a:rPr lang="en-US" b="1" dirty="0"/>
+              <a:t>ViewBag in ASP.NET MVC with String Type</a:t>
+            </a:r>
+            <a:r>
+              <a:rPr lang="en-US" b="1" dirty="0" smtClean="0"/>
+              <a:t>:</a:t>
+            </a:r>
+          </a:p>
+          <a:p>
+            <a:pPr fontAlgn="base"/>
+            <a:endParaRPr lang="en-US" dirty="0"/>
+          </a:p>
+          <a:p>
+            <a:pPr fontAlgn="base"/>
+            <a:endParaRPr lang="en-US" dirty="0"/>
+          </a:p>
+        </p:txBody>
+      </p:sp>
+      <p:pic>
+        <p:nvPicPr>
+          <p:cNvPr id="1026" name="Picture 2"/>
+          <p:cNvPicPr>
+            <a:picLocks noChangeAspect="1" noChangeArrowheads="1"/>
+          </p:cNvPicPr>
+          <p:nvPr/>
+        </p:nvPicPr>
+        <p:blipFill>
+          <a:blip r:embed="rId2">
+            <a:extLst>
+              <a:ext uri="{28A0092B-C50C-407E-A947-70E740481C1C}">
+                <a14:useLocalDpi xmlns:a14="http://schemas.microsoft.com/office/drawing/2010/main" val="0"/>
+              </a:ext>
+            </a:extLst>
+          </a:blip>
+          <a:srcRect/>
+          <a:stretch>
+            <a:fillRect/>
+          </a:stretch>
+        </p:blipFill>
+        <p:spPr bwMode="auto">
+          <a:xfrm>
+            <a:off x="252984" y="4267200"/>
+            <a:ext cx="7040880" cy="2279827"/>
+          </a:xfrm>
+          <a:prstGeom prst="rect">
+            <a:avLst/>
+          </a:prstGeom>
+          <a:noFill/>
+          <a:ln>
+            <a:noFill/>
+          </a:ln>
+          <a:extLst>
+            <a:ext uri="{909E8E84-426E-40DD-AFC4-6F175D3DCCD1}">
+              <a14:hiddenFill xmlns:a14="http://schemas.microsoft.com/office/drawing/2010/main">
+                <a:solidFill>
+                  <a:schemeClr val="accent1"/>
+                </a:solidFill>
+              </a14:hiddenFill>
+            </a:ext>
+            <a:ext uri="{91240B29-F687-4F45-9708-019B960494DF}">
+              <a14:hiddenLine xmlns:a14="http://schemas.microsoft.com/office/drawing/2010/main" w="9525">
+                <a:solidFill>
+                  <a:schemeClr val="tx1"/>
+                </a:solidFill>
+                <a:miter lim="800000"/>
+                <a:headEnd/>
+                <a:tailEnd/>
+              </a14:hiddenLine>
+            </a:ext>
+          </a:extLst>
+        </p:spPr>
+      </p:pic>
+    </p:spTree>
+    <p:extLst>
+      <p:ext uri="{BB962C8B-B14F-4D97-AF65-F5344CB8AC3E}">
+        <p14:creationId xmlns:p14="http://schemas.microsoft.com/office/powerpoint/2010/main" val="2241673521"/>
+      </p:ext>
+    </p:extLst>
+  </p:cSld>
+  <p:clrMapOvr>
+    <a:masterClrMapping/>
+  </p:clrMapOvr>
+  <p:timing>
+    <p:tnLst>
+      <p:par>
+        <p:cTn id="1" dur="indefinite" restart="never" nodeType="tmRoot"/>
+      </p:par>
+    </p:tnLst>
+  </p:timing>
+</p:sld>
+</file>
+
+<file path=ppt/slides/slide2.xml><?xml version="1.0" encoding="utf-8"?>
+<p:sld xmlns:a="http://schemas.openxmlformats.org/drawingml/2006/main" xmlns:r="http://schemas.openxmlformats.org/officeDocument/2006/relationships" xmlns:p="http://schemas.openxmlformats.org/presentationml/2006/main">
+  <p:cSld>
+    <p:spTree>
+      <p:nvGrpSpPr>
+        <p:cNvPr id="1" name=""/>
+        <p:cNvGrpSpPr/>
+        <p:nvPr/>
+      </p:nvGrpSpPr>
+      <p:grpSpPr>
+        <a:xfrm>
+          <a:off x="0" y="0"/>
+          <a:ext cx="0" cy="0"/>
+          <a:chOff x="0" y="0"/>
+          <a:chExt cx="0" cy="0"/>
+        </a:xfrm>
+      </p:grpSpPr>
+      <p:sp>
+        <p:nvSpPr>
+          <p:cNvPr id="5" name="Rectangle 4"/>
+          <p:cNvSpPr/>
+          <p:nvPr/>
+        </p:nvSpPr>
+        <p:spPr>
+          <a:xfrm>
+            <a:off x="228600" y="228600"/>
+            <a:ext cx="8610600" cy="5355312"/>
+          </a:xfrm>
+          <a:prstGeom prst="rect">
+            <a:avLst/>
+          </a:prstGeom>
+        </p:spPr>
+        <p:txBody>
+          <a:bodyPr wrap="square">
+            <a:spAutoFit/>
+          </a:bodyPr>
+          <a:lstStyle/>
+          <a:p>
+            <a:endParaRPr lang="en-US" dirty="0" smtClean="0"/>
           </a:p>
           <a:p>
             <a:pPr fontAlgn="base"/>
@@ -3343,10 +3504,17 @@
   <p:clrMapOvr>
     <a:masterClrMapping/>
   </p:clrMapOvr>
+  <p:timing>
+    <p:tnLst>
+      <p:par>
+        <p:cTn id="1" dur="indefinite" restart="never" nodeType="tmRoot"/>
+      </p:par>
+    </p:tnLst>
+  </p:timing>
 </p:sld>
 </file>
 
-<file path=ppt/slides/slide2.xml><?xml version="1.0" encoding="utf-8"?>
+<file path=ppt/slides/slide3.xml><?xml version="1.0" encoding="utf-8"?>
 <p:sld xmlns:a="http://schemas.openxmlformats.org/drawingml/2006/main" xmlns:r="http://schemas.openxmlformats.org/officeDocument/2006/relationships" xmlns:p="http://schemas.openxmlformats.org/presentationml/2006/main">
   <p:cSld>
     <p:spTree>
@@ -3570,10 +3738,17 @@
   <p:clrMapOvr>
     <a:masterClrMapping/>
   </p:clrMapOvr>
+  <p:timing>
+    <p:tnLst>
+      <p:par>
+        <p:cTn id="1" dur="indefinite" restart="never" nodeType="tmRoot"/>
+      </p:par>
+    </p:tnLst>
+  </p:timing>
 </p:sld>
 </file>
 
-<file path=ppt/slides/slide3.xml><?xml version="1.0" encoding="utf-8"?>
+<file path=ppt/slides/slide4.xml><?xml version="1.0" encoding="utf-8"?>
 <p:sld xmlns:a="http://schemas.openxmlformats.org/drawingml/2006/main" xmlns:r="http://schemas.openxmlformats.org/officeDocument/2006/relationships" xmlns:p="http://schemas.openxmlformats.org/presentationml/2006/main">
   <p:cSld>
     <p:spTree>
@@ -3700,250 +3875,13 @@
   <p:clrMapOvr>
     <a:masterClrMapping/>
   </p:clrMapOvr>
-</p:sld>
-</file>
-
-<file path=ppt/slides/slide4.xml><?xml version="1.0" encoding="utf-8"?>
-<p:sld xmlns:a="http://schemas.openxmlformats.org/drawingml/2006/main" xmlns:r="http://schemas.openxmlformats.org/officeDocument/2006/relationships" xmlns:p="http://schemas.openxmlformats.org/presentationml/2006/main">
-  <p:cSld>
-    <p:spTree>
-      <p:nvGrpSpPr>
-        <p:cNvPr id="1" name=""/>
-        <p:cNvGrpSpPr/>
-        <p:nvPr/>
-      </p:nvGrpSpPr>
-      <p:grpSpPr>
-        <a:xfrm>
-          <a:off x="0" y="0"/>
-          <a:ext cx="0" cy="0"/>
-          <a:chOff x="0" y="0"/>
-          <a:chExt cx="0" cy="0"/>
-        </a:xfrm>
-      </p:grpSpPr>
-      <p:sp>
-        <p:nvSpPr>
-          <p:cNvPr id="2" name="Rectangle 1"/>
-          <p:cNvSpPr/>
-          <p:nvPr/>
-        </p:nvSpPr>
-        <p:spPr>
-          <a:xfrm>
-            <a:off x="228600" y="381000"/>
-            <a:ext cx="8382000" cy="4524315"/>
-          </a:xfrm>
-          <a:prstGeom prst="rect">
-            <a:avLst/>
-          </a:prstGeom>
-        </p:spPr>
-        <p:txBody>
-          <a:bodyPr wrap="square">
-            <a:spAutoFit/>
-          </a:bodyPr>
-          <a:lstStyle/>
-          <a:p>
-            <a:r>
-              <a:rPr lang="en-US" dirty="0"/>
-              <a:t>Then we modify the Index action method of Home Controller as shown below to retrieve the employee data from </a:t>
-            </a:r>
-            <a:r>
-              <a:rPr lang="en-US" dirty="0" err="1"/>
-              <a:t>EmployeeBusinesslayer</a:t>
-            </a:r>
-            <a:r>
-              <a:rPr lang="en-US" dirty="0"/>
-              <a:t> and store it in the Employee model</a:t>
-            </a:r>
-            <a:r>
-              <a:rPr lang="en-US" dirty="0" smtClean="0"/>
-              <a:t>.</a:t>
-            </a:r>
-          </a:p>
-          <a:p>
-            <a:endParaRPr lang="en-US" dirty="0"/>
-          </a:p>
-          <a:p>
-            <a:r>
-              <a:rPr lang="en-US" b="1" dirty="0"/>
-              <a:t>Passing ViewData From a Controller:</a:t>
-            </a:r>
-            <a:endParaRPr lang="en-US" dirty="0"/>
-          </a:p>
-          <a:p>
-            <a:endParaRPr lang="en-US" dirty="0" smtClean="0"/>
-          </a:p>
-          <a:p>
-            <a:endParaRPr lang="en-US" dirty="0"/>
-          </a:p>
-          <a:p>
-            <a:pPr fontAlgn="base"/>
-            <a:r>
-              <a:rPr lang="en-US" b="1" dirty="0"/>
-              <a:t>public</a:t>
-            </a:r>
-            <a:r>
-              <a:rPr lang="en-US" dirty="0"/>
-              <a:t> </a:t>
-            </a:r>
-            <a:r>
-              <a:rPr lang="en-US" dirty="0" err="1"/>
-              <a:t>ActionResult</a:t>
-            </a:r>
-            <a:r>
-              <a:rPr lang="en-US" dirty="0"/>
-              <a:t> Index</a:t>
-            </a:r>
-            <a:r>
-              <a:rPr lang="en-US" b="1" dirty="0"/>
-              <a:t>()</a:t>
-            </a:r>
-            <a:endParaRPr lang="en-US" dirty="0"/>
-          </a:p>
-          <a:p>
-            <a:pPr fontAlgn="base"/>
-            <a:r>
-              <a:rPr lang="en-US" b="1" dirty="0"/>
-              <a:t>{</a:t>
-            </a:r>
-            <a:endParaRPr lang="en-US" dirty="0"/>
-          </a:p>
-          <a:p>
-            <a:pPr fontAlgn="base"/>
-            <a:r>
-              <a:rPr lang="en-US" dirty="0" err="1"/>
-              <a:t>EmployeeBusinessLayer</a:t>
-            </a:r>
-            <a:r>
-              <a:rPr lang="en-US" dirty="0"/>
-              <a:t> </a:t>
-            </a:r>
-            <a:r>
-              <a:rPr lang="en-US" dirty="0" err="1"/>
-              <a:t>employeeBL</a:t>
-            </a:r>
-            <a:r>
-              <a:rPr lang="en-US" dirty="0"/>
-              <a:t> = new </a:t>
-            </a:r>
-            <a:r>
-              <a:rPr lang="en-US" dirty="0" err="1"/>
-              <a:t>EmployeeBusinessLayer</a:t>
-            </a:r>
-            <a:r>
-              <a:rPr lang="en-US" b="1" dirty="0"/>
-              <a:t>()</a:t>
-            </a:r>
-            <a:r>
-              <a:rPr lang="en-US" dirty="0"/>
-              <a:t>;</a:t>
-            </a:r>
-          </a:p>
-          <a:p>
-            <a:pPr fontAlgn="base"/>
-            <a:r>
-              <a:rPr lang="en-US" dirty="0"/>
-              <a:t>Employee </a:t>
-            </a:r>
-            <a:r>
-              <a:rPr lang="en-US" dirty="0" err="1"/>
-              <a:t>employee</a:t>
-            </a:r>
-            <a:r>
-              <a:rPr lang="en-US" dirty="0"/>
-              <a:t> = </a:t>
-            </a:r>
-            <a:r>
-              <a:rPr lang="en-US" dirty="0" err="1"/>
-              <a:t>employeeBL.GetEmployeeDetails</a:t>
-            </a:r>
-            <a:r>
-              <a:rPr lang="en-US" b="1" dirty="0"/>
-              <a:t>(</a:t>
-            </a:r>
-            <a:r>
-              <a:rPr lang="en-US" dirty="0"/>
-              <a:t>102</a:t>
-            </a:r>
-            <a:r>
-              <a:rPr lang="en-US" b="1" dirty="0"/>
-              <a:t>)</a:t>
-            </a:r>
-            <a:r>
-              <a:rPr lang="en-US" dirty="0"/>
-              <a:t>;</a:t>
-            </a:r>
-          </a:p>
-          <a:p>
-            <a:pPr fontAlgn="base"/>
-            <a:r>
-              <a:rPr lang="en-US" dirty="0"/>
-              <a:t>ViewData</a:t>
-            </a:r>
-            <a:r>
-              <a:rPr lang="en-US" b="1" dirty="0"/>
-              <a:t>[</a:t>
-            </a:r>
-            <a:r>
-              <a:rPr lang="en-US" dirty="0"/>
-              <a:t>"Employee"</a:t>
-            </a:r>
-            <a:r>
-              <a:rPr lang="en-US" b="1" dirty="0"/>
-              <a:t>]</a:t>
-            </a:r>
-            <a:r>
-              <a:rPr lang="en-US" dirty="0"/>
-              <a:t> = employee;</a:t>
-            </a:r>
-          </a:p>
-          <a:p>
-            <a:pPr fontAlgn="base"/>
-            <a:r>
-              <a:rPr lang="en-US" b="1" dirty="0" smtClean="0"/>
-              <a:t>return</a:t>
-            </a:r>
-            <a:r>
-              <a:rPr lang="en-US" dirty="0" smtClean="0"/>
-              <a:t> </a:t>
-            </a:r>
-            <a:r>
-              <a:rPr lang="en-US" dirty="0"/>
-              <a:t>View</a:t>
-            </a:r>
-            <a:r>
-              <a:rPr lang="en-US" b="1" dirty="0"/>
-              <a:t>()</a:t>
-            </a:r>
-            <a:r>
-              <a:rPr lang="en-US" dirty="0"/>
-              <a:t>;</a:t>
-            </a:r>
-          </a:p>
-          <a:p>
-            <a:pPr fontAlgn="base"/>
-            <a:r>
-              <a:rPr lang="en-US" b="1" dirty="0"/>
-              <a:t>}</a:t>
-            </a:r>
-            <a:endParaRPr lang="en-US" dirty="0"/>
-          </a:p>
-          <a:p>
-            <a:endParaRPr lang="en-US" dirty="0" smtClean="0"/>
-          </a:p>
-          <a:p>
-            <a:endParaRPr lang="en-US" dirty="0"/>
-          </a:p>
-        </p:txBody>
-      </p:sp>
-    </p:spTree>
-    <p:extLst>
-      <p:ext uri="{BB962C8B-B14F-4D97-AF65-F5344CB8AC3E}">
-        <p14:creationId xmlns:p14="http://schemas.microsoft.com/office/powerpoint/2010/main" val="2230689955"/>
-      </p:ext>
-    </p:extLst>
-  </p:cSld>
-  <p:clrMapOvr>
-    <a:masterClrMapping/>
-  </p:clrMapOvr>
+  <p:timing>
+    <p:tnLst>
+      <p:par>
+        <p:cTn id="1" dur="indefinite" restart="never" nodeType="tmRoot"/>
+      </p:par>
+    </p:tnLst>
+  </p:timing>
 </p:sld>
 </file>
 
@@ -3972,6 +3910,257 @@
         </p:nvSpPr>
         <p:spPr>
           <a:xfrm>
+            <a:off x="228600" y="381000"/>
+            <a:ext cx="8382000" cy="4524315"/>
+          </a:xfrm>
+          <a:prstGeom prst="rect">
+            <a:avLst/>
+          </a:prstGeom>
+        </p:spPr>
+        <p:txBody>
+          <a:bodyPr wrap="square">
+            <a:spAutoFit/>
+          </a:bodyPr>
+          <a:lstStyle/>
+          <a:p>
+            <a:r>
+              <a:rPr lang="en-US" dirty="0"/>
+              <a:t>Then we modify the Index action method of Home Controller as shown below to retrieve the employee data from </a:t>
+            </a:r>
+            <a:r>
+              <a:rPr lang="en-US" dirty="0" err="1"/>
+              <a:t>EmployeeBusinesslayer</a:t>
+            </a:r>
+            <a:r>
+              <a:rPr lang="en-US" dirty="0"/>
+              <a:t> and store it in the Employee model</a:t>
+            </a:r>
+            <a:r>
+              <a:rPr lang="en-US" dirty="0" smtClean="0"/>
+              <a:t>.</a:t>
+            </a:r>
+          </a:p>
+          <a:p>
+            <a:endParaRPr lang="en-US" dirty="0"/>
+          </a:p>
+          <a:p>
+            <a:r>
+              <a:rPr lang="en-US" b="1" dirty="0"/>
+              <a:t>Passing ViewData From a Controller:</a:t>
+            </a:r>
+            <a:endParaRPr lang="en-US" dirty="0"/>
+          </a:p>
+          <a:p>
+            <a:endParaRPr lang="en-US" dirty="0" smtClean="0"/>
+          </a:p>
+          <a:p>
+            <a:endParaRPr lang="en-US" dirty="0"/>
+          </a:p>
+          <a:p>
+            <a:pPr fontAlgn="base"/>
+            <a:r>
+              <a:rPr lang="en-US" b="1" dirty="0"/>
+              <a:t>public</a:t>
+            </a:r>
+            <a:r>
+              <a:rPr lang="en-US" dirty="0"/>
+              <a:t> </a:t>
+            </a:r>
+            <a:r>
+              <a:rPr lang="en-US" dirty="0" err="1"/>
+              <a:t>ActionResult</a:t>
+            </a:r>
+            <a:r>
+              <a:rPr lang="en-US" dirty="0"/>
+              <a:t> Index</a:t>
+            </a:r>
+            <a:r>
+              <a:rPr lang="en-US" b="1" dirty="0"/>
+              <a:t>()</a:t>
+            </a:r>
+            <a:endParaRPr lang="en-US" dirty="0"/>
+          </a:p>
+          <a:p>
+            <a:pPr fontAlgn="base"/>
+            <a:r>
+              <a:rPr lang="en-US" b="1" dirty="0"/>
+              <a:t>{</a:t>
+            </a:r>
+            <a:endParaRPr lang="en-US" dirty="0"/>
+          </a:p>
+          <a:p>
+            <a:pPr fontAlgn="base"/>
+            <a:r>
+              <a:rPr lang="en-US" dirty="0" err="1"/>
+              <a:t>EmployeeBusinessLayer</a:t>
+            </a:r>
+            <a:r>
+              <a:rPr lang="en-US" dirty="0"/>
+              <a:t> </a:t>
+            </a:r>
+            <a:r>
+              <a:rPr lang="en-US" dirty="0" err="1"/>
+              <a:t>employeeBL</a:t>
+            </a:r>
+            <a:r>
+              <a:rPr lang="en-US" dirty="0"/>
+              <a:t> = new </a:t>
+            </a:r>
+            <a:r>
+              <a:rPr lang="en-US" dirty="0" err="1"/>
+              <a:t>EmployeeBusinessLayer</a:t>
+            </a:r>
+            <a:r>
+              <a:rPr lang="en-US" b="1" dirty="0"/>
+              <a:t>()</a:t>
+            </a:r>
+            <a:r>
+              <a:rPr lang="en-US" dirty="0"/>
+              <a:t>;</a:t>
+            </a:r>
+          </a:p>
+          <a:p>
+            <a:pPr fontAlgn="base"/>
+            <a:r>
+              <a:rPr lang="en-US" dirty="0"/>
+              <a:t>Employee </a:t>
+            </a:r>
+            <a:r>
+              <a:rPr lang="en-US" dirty="0" err="1"/>
+              <a:t>employee</a:t>
+            </a:r>
+            <a:r>
+              <a:rPr lang="en-US" dirty="0"/>
+              <a:t> = </a:t>
+            </a:r>
+            <a:r>
+              <a:rPr lang="en-US" dirty="0" err="1"/>
+              <a:t>employeeBL.GetEmployeeDetails</a:t>
+            </a:r>
+            <a:r>
+              <a:rPr lang="en-US" b="1" dirty="0"/>
+              <a:t>(</a:t>
+            </a:r>
+            <a:r>
+              <a:rPr lang="en-US" dirty="0"/>
+              <a:t>102</a:t>
+            </a:r>
+            <a:r>
+              <a:rPr lang="en-US" b="1" dirty="0"/>
+              <a:t>)</a:t>
+            </a:r>
+            <a:r>
+              <a:rPr lang="en-US" dirty="0"/>
+              <a:t>;</a:t>
+            </a:r>
+          </a:p>
+          <a:p>
+            <a:pPr fontAlgn="base"/>
+            <a:r>
+              <a:rPr lang="en-US" dirty="0"/>
+              <a:t>ViewData</a:t>
+            </a:r>
+            <a:r>
+              <a:rPr lang="en-US" b="1" dirty="0"/>
+              <a:t>[</a:t>
+            </a:r>
+            <a:r>
+              <a:rPr lang="en-US" dirty="0"/>
+              <a:t>"Employee"</a:t>
+            </a:r>
+            <a:r>
+              <a:rPr lang="en-US" b="1" dirty="0"/>
+              <a:t>]</a:t>
+            </a:r>
+            <a:r>
+              <a:rPr lang="en-US" dirty="0"/>
+              <a:t> = employee;</a:t>
+            </a:r>
+          </a:p>
+          <a:p>
+            <a:pPr fontAlgn="base"/>
+            <a:r>
+              <a:rPr lang="en-US" b="1" dirty="0" smtClean="0"/>
+              <a:t>return</a:t>
+            </a:r>
+            <a:r>
+              <a:rPr lang="en-US" dirty="0" smtClean="0"/>
+              <a:t> </a:t>
+            </a:r>
+            <a:r>
+              <a:rPr lang="en-US" dirty="0"/>
+              <a:t>View</a:t>
+            </a:r>
+            <a:r>
+              <a:rPr lang="en-US" b="1" dirty="0"/>
+              <a:t>()</a:t>
+            </a:r>
+            <a:r>
+              <a:rPr lang="en-US" dirty="0"/>
+              <a:t>;</a:t>
+            </a:r>
+          </a:p>
+          <a:p>
+            <a:pPr fontAlgn="base"/>
+            <a:r>
+              <a:rPr lang="en-US" b="1" dirty="0"/>
+              <a:t>}</a:t>
+            </a:r>
+            <a:endParaRPr lang="en-US" dirty="0"/>
+          </a:p>
+          <a:p>
+            <a:endParaRPr lang="en-US" dirty="0" smtClean="0"/>
+          </a:p>
+          <a:p>
+            <a:endParaRPr lang="en-US" dirty="0"/>
+          </a:p>
+        </p:txBody>
+      </p:sp>
+    </p:spTree>
+    <p:extLst>
+      <p:ext uri="{BB962C8B-B14F-4D97-AF65-F5344CB8AC3E}">
+        <p14:creationId xmlns:p14="http://schemas.microsoft.com/office/powerpoint/2010/main" val="2230689955"/>
+      </p:ext>
+    </p:extLst>
+  </p:cSld>
+  <p:clrMapOvr>
+    <a:masterClrMapping/>
+  </p:clrMapOvr>
+  <p:timing>
+    <p:tnLst>
+      <p:par>
+        <p:cTn id="1" dur="indefinite" restart="never" nodeType="tmRoot"/>
+      </p:par>
+    </p:tnLst>
+  </p:timing>
+</p:sld>
+</file>
+
+<file path=ppt/slides/slide6.xml><?xml version="1.0" encoding="utf-8"?>
+<p:sld xmlns:a="http://schemas.openxmlformats.org/drawingml/2006/main" xmlns:r="http://schemas.openxmlformats.org/officeDocument/2006/relationships" xmlns:p="http://schemas.openxmlformats.org/presentationml/2006/main">
+  <p:cSld>
+    <p:spTree>
+      <p:nvGrpSpPr>
+        <p:cNvPr id="1" name=""/>
+        <p:cNvGrpSpPr/>
+        <p:nvPr/>
+      </p:nvGrpSpPr>
+      <p:grpSpPr>
+        <a:xfrm>
+          <a:off x="0" y="0"/>
+          <a:ext cx="0" cy="0"/>
+          <a:chOff x="0" y="0"/>
+          <a:chExt cx="0" cy="0"/>
+        </a:xfrm>
+      </p:grpSpPr>
+      <p:sp>
+        <p:nvSpPr>
+          <p:cNvPr id="2" name="Rectangle 1"/>
+          <p:cNvSpPr/>
+          <p:nvPr/>
+        </p:nvSpPr>
+        <p:spPr>
+          <a:xfrm>
             <a:off x="381001" y="381000"/>
             <a:ext cx="8534400" cy="5632311"/>
           </a:xfrm>
@@ -4245,10 +4434,17 @@
   <p:clrMapOvr>
     <a:masterClrMapping/>
   </p:clrMapOvr>
+  <p:timing>
+    <p:tnLst>
+      <p:par>
+        <p:cTn id="1" dur="indefinite" restart="never" nodeType="tmRoot"/>
+      </p:par>
+    </p:tnLst>
+  </p:timing>
 </p:sld>
 </file>
 
-<file path=ppt/slides/slide6.xml><?xml version="1.0" encoding="utf-8"?>
+<file path=ppt/slides/slide7.xml><?xml version="1.0" encoding="utf-8"?>
 <p:sld xmlns:a="http://schemas.openxmlformats.org/drawingml/2006/main" xmlns:r="http://schemas.openxmlformats.org/officeDocument/2006/relationships" xmlns:p="http://schemas.openxmlformats.org/presentationml/2006/main">
   <p:cSld>
     <p:spTree>
@@ -4410,6 +4606,13 @@
   <p:clrMapOvr>
     <a:masterClrMapping/>
   </p:clrMapOvr>
+  <p:timing>
+    <p:tnLst>
+      <p:par>
+        <p:cTn id="1" dur="indefinite" restart="never" nodeType="tmRoot"/>
+      </p:par>
+    </p:tnLst>
+  </p:timing>
 </p:sld>
 </file>
 

--- a/MVC/MVC_PPT.pptx
+++ b/MVC/MVC_PPT.pptx
@@ -12,6 +12,9 @@
     <p:sldId id="259" r:id="rId6"/>
     <p:sldId id="260" r:id="rId7"/>
     <p:sldId id="261" r:id="rId8"/>
+    <p:sldId id="263" r:id="rId9"/>
+    <p:sldId id="265" r:id="rId10"/>
+    <p:sldId id="264" r:id="rId11"/>
   </p:sldIdLst>
   <p:sldSz cx="9144000" cy="6858000" type="screen4x3"/>
   <p:notesSz cx="6858000" cy="9144000"/>
@@ -294,7 +297,7 @@
           <a:p>
             <a:fld id="{267A312B-086F-43B0-88C9-851FDBD3826D}" type="datetimeFigureOut">
               <a:rPr lang="en-US" smtClean="0"/>
-              <a:t>9/24/2020</a:t>
+              <a:t>9/25/2020</a:t>
             </a:fld>
             <a:endParaRPr lang="en-US"/>
           </a:p>
@@ -464,7 +467,7 @@
           <a:p>
             <a:fld id="{267A312B-086F-43B0-88C9-851FDBD3826D}" type="datetimeFigureOut">
               <a:rPr lang="en-US" smtClean="0"/>
-              <a:t>9/24/2020</a:t>
+              <a:t>9/25/2020</a:t>
             </a:fld>
             <a:endParaRPr lang="en-US"/>
           </a:p>
@@ -644,7 +647,7 @@
           <a:p>
             <a:fld id="{267A312B-086F-43B0-88C9-851FDBD3826D}" type="datetimeFigureOut">
               <a:rPr lang="en-US" smtClean="0"/>
-              <a:t>9/24/2020</a:t>
+              <a:t>9/25/2020</a:t>
             </a:fld>
             <a:endParaRPr lang="en-US"/>
           </a:p>
@@ -814,7 +817,7 @@
           <a:p>
             <a:fld id="{267A312B-086F-43B0-88C9-851FDBD3826D}" type="datetimeFigureOut">
               <a:rPr lang="en-US" smtClean="0"/>
-              <a:t>9/24/2020</a:t>
+              <a:t>9/25/2020</a:t>
             </a:fld>
             <a:endParaRPr lang="en-US"/>
           </a:p>
@@ -1060,7 +1063,7 @@
           <a:p>
             <a:fld id="{267A312B-086F-43B0-88C9-851FDBD3826D}" type="datetimeFigureOut">
               <a:rPr lang="en-US" smtClean="0"/>
-              <a:t>9/24/2020</a:t>
+              <a:t>9/25/2020</a:t>
             </a:fld>
             <a:endParaRPr lang="en-US"/>
           </a:p>
@@ -1348,7 +1351,7 @@
           <a:p>
             <a:fld id="{267A312B-086F-43B0-88C9-851FDBD3826D}" type="datetimeFigureOut">
               <a:rPr lang="en-US" smtClean="0"/>
-              <a:t>9/24/2020</a:t>
+              <a:t>9/25/2020</a:t>
             </a:fld>
             <a:endParaRPr lang="en-US"/>
           </a:p>
@@ -1770,7 +1773,7 @@
           <a:p>
             <a:fld id="{267A312B-086F-43B0-88C9-851FDBD3826D}" type="datetimeFigureOut">
               <a:rPr lang="en-US" smtClean="0"/>
-              <a:t>9/24/2020</a:t>
+              <a:t>9/25/2020</a:t>
             </a:fld>
             <a:endParaRPr lang="en-US"/>
           </a:p>
@@ -1888,7 +1891,7 @@
           <a:p>
             <a:fld id="{267A312B-086F-43B0-88C9-851FDBD3826D}" type="datetimeFigureOut">
               <a:rPr lang="en-US" smtClean="0"/>
-              <a:t>9/24/2020</a:t>
+              <a:t>9/25/2020</a:t>
             </a:fld>
             <a:endParaRPr lang="en-US"/>
           </a:p>
@@ -1983,7 +1986,7 @@
           <a:p>
             <a:fld id="{267A312B-086F-43B0-88C9-851FDBD3826D}" type="datetimeFigureOut">
               <a:rPr lang="en-US" smtClean="0"/>
-              <a:t>9/24/2020</a:t>
+              <a:t>9/25/2020</a:t>
             </a:fld>
             <a:endParaRPr lang="en-US"/>
           </a:p>
@@ -2260,7 +2263,7 @@
           <a:p>
             <a:fld id="{267A312B-086F-43B0-88C9-851FDBD3826D}" type="datetimeFigureOut">
               <a:rPr lang="en-US" smtClean="0"/>
-              <a:t>9/24/2020</a:t>
+              <a:t>9/25/2020</a:t>
             </a:fld>
             <a:endParaRPr lang="en-US"/>
           </a:p>
@@ -2513,7 +2516,7 @@
           <a:p>
             <a:fld id="{267A312B-086F-43B0-88C9-851FDBD3826D}" type="datetimeFigureOut">
               <a:rPr lang="en-US" smtClean="0"/>
-              <a:t>9/24/2020</a:t>
+              <a:t>9/25/2020</a:t>
             </a:fld>
             <a:endParaRPr lang="en-US"/>
           </a:p>
@@ -2726,7 +2729,7 @@
           <a:p>
             <a:fld id="{267A312B-086F-43B0-88C9-851FDBD3826D}" type="datetimeFigureOut">
               <a:rPr lang="en-US" smtClean="0"/>
-              <a:t>9/24/2020</a:t>
+              <a:t>9/25/2020</a:t>
             </a:fld>
             <a:endParaRPr lang="en-US"/>
           </a:p>
@@ -3288,6 +3291,348 @@
 </p:sld>
 </file>
 
+<file path=ppt/slides/slide10.xml><?xml version="1.0" encoding="utf-8"?>
+<p:sld xmlns:a="http://schemas.openxmlformats.org/drawingml/2006/main" xmlns:r="http://schemas.openxmlformats.org/officeDocument/2006/relationships" xmlns:p="http://schemas.openxmlformats.org/presentationml/2006/main">
+  <p:cSld>
+    <p:spTree>
+      <p:nvGrpSpPr>
+        <p:cNvPr id="1" name=""/>
+        <p:cNvGrpSpPr/>
+        <p:nvPr/>
+      </p:nvGrpSpPr>
+      <p:grpSpPr>
+        <a:xfrm>
+          <a:off x="0" y="0"/>
+          <a:ext cx="0" cy="0"/>
+          <a:chOff x="0" y="0"/>
+          <a:chExt cx="0" cy="0"/>
+        </a:xfrm>
+      </p:grpSpPr>
+      <p:sp>
+        <p:nvSpPr>
+          <p:cNvPr id="2" name="Rectangle 1"/>
+          <p:cNvSpPr/>
+          <p:nvPr/>
+        </p:nvSpPr>
+        <p:spPr>
+          <a:xfrm>
+            <a:off x="228600" y="304800"/>
+            <a:ext cx="8534400" cy="6463308"/>
+          </a:xfrm>
+          <a:prstGeom prst="rect">
+            <a:avLst/>
+          </a:prstGeom>
+        </p:spPr>
+        <p:txBody>
+          <a:bodyPr wrap="square">
+            <a:spAutoFit/>
+          </a:bodyPr>
+          <a:lstStyle/>
+          <a:p>
+            <a:pPr fontAlgn="base"/>
+            <a:r>
+              <a:rPr lang="en-US" b="1" dirty="0" err="1"/>
+              <a:t>TextBox</a:t>
+            </a:r>
+            <a:r>
+              <a:rPr lang="en-US" b="1" dirty="0"/>
+              <a:t> HTML Helper in MVC Application</a:t>
+            </a:r>
+            <a:endParaRPr lang="en-US" dirty="0"/>
+          </a:p>
+          <a:p>
+            <a:pPr fontAlgn="base"/>
+            <a:endParaRPr lang="en-US" dirty="0" smtClean="0"/>
+          </a:p>
+          <a:p>
+            <a:pPr marL="285750" indent="-285750" fontAlgn="base">
+              <a:buFont typeface="Wingdings" panose="05000000000000000000" pitchFamily="2" charset="2"/>
+              <a:buChar char="q"/>
+            </a:pPr>
+            <a:r>
+              <a:rPr lang="en-US" dirty="0"/>
+              <a:t>To create </a:t>
+            </a:r>
+            <a:r>
+              <a:rPr lang="en-US" dirty="0" err="1"/>
+              <a:t>TextBox</a:t>
+            </a:r>
+            <a:r>
+              <a:rPr lang="en-US" dirty="0"/>
+              <a:t> using HTML Helper in MVC application you need to use the </a:t>
+            </a:r>
+            <a:r>
+              <a:rPr lang="en-US" b="1" dirty="0" err="1"/>
+              <a:t>TextBox</a:t>
+            </a:r>
+            <a:r>
+              <a:rPr lang="en-US" b="1" dirty="0"/>
+              <a:t> Helper</a:t>
+            </a:r>
+            <a:r>
+              <a:rPr lang="en-US" dirty="0"/>
+              <a:t> method. </a:t>
+            </a:r>
+          </a:p>
+          <a:p>
+            <a:pPr fontAlgn="base"/>
+            <a:endParaRPr lang="en-US" dirty="0" smtClean="0"/>
+          </a:p>
+          <a:p>
+            <a:pPr marL="285750" indent="-285750" fontAlgn="base">
+              <a:buFont typeface="Wingdings" panose="05000000000000000000" pitchFamily="2" charset="2"/>
+              <a:buChar char="q"/>
+            </a:pPr>
+            <a:r>
+              <a:rPr lang="en-US" dirty="0"/>
+              <a:t>The </a:t>
+            </a:r>
+            <a:r>
+              <a:rPr lang="en-US" b="1" dirty="0" err="1"/>
+              <a:t>HtmlHelper</a:t>
+            </a:r>
+            <a:r>
+              <a:rPr lang="en-US" dirty="0"/>
+              <a:t> class in </a:t>
+            </a:r>
+            <a:r>
+              <a:rPr lang="en-US" b="1" dirty="0"/>
+              <a:t>ASP.NET MVC Framework</a:t>
+            </a:r>
+            <a:r>
+              <a:rPr lang="en-US" dirty="0"/>
+              <a:t> provides two extension methods to generates a textbox in a view</a:t>
+            </a:r>
+            <a:r>
+              <a:rPr lang="en-US" dirty="0" smtClean="0"/>
+              <a:t>.</a:t>
+            </a:r>
+          </a:p>
+          <a:p>
+            <a:pPr fontAlgn="base"/>
+            <a:endParaRPr lang="en-US" dirty="0" smtClean="0"/>
+          </a:p>
+          <a:p>
+            <a:pPr marL="285750" indent="-285750" fontAlgn="base">
+              <a:buFont typeface="Wingdings" panose="05000000000000000000" pitchFamily="2" charset="2"/>
+              <a:buChar char="q"/>
+            </a:pPr>
+            <a:r>
+              <a:rPr lang="en-US" dirty="0"/>
+              <a:t>Those two extension methods are </a:t>
+            </a:r>
+            <a:r>
+              <a:rPr lang="en-US" b="1" dirty="0" err="1"/>
+              <a:t>TextBox</a:t>
+            </a:r>
+            <a:r>
+              <a:rPr lang="en-US" b="1" dirty="0"/>
+              <a:t>()</a:t>
+            </a:r>
+            <a:r>
+              <a:rPr lang="en-US" dirty="0"/>
+              <a:t> and </a:t>
+            </a:r>
+            <a:r>
+              <a:rPr lang="en-US" b="1" dirty="0" err="1"/>
+              <a:t>TextBoxFor</a:t>
+            </a:r>
+            <a:r>
+              <a:rPr lang="en-US" b="1" dirty="0"/>
+              <a:t>()</a:t>
+            </a:r>
+            <a:r>
+              <a:rPr lang="en-US" dirty="0"/>
+              <a:t>. </a:t>
+            </a:r>
+            <a:endParaRPr lang="en-US" dirty="0" smtClean="0"/>
+          </a:p>
+          <a:p>
+            <a:pPr fontAlgn="base"/>
+            <a:endParaRPr lang="en-US" dirty="0" smtClean="0"/>
+          </a:p>
+          <a:p>
+            <a:pPr marL="285750" indent="-285750" fontAlgn="base">
+              <a:buFont typeface="Wingdings" panose="05000000000000000000" pitchFamily="2" charset="2"/>
+              <a:buChar char="q"/>
+            </a:pPr>
+            <a:r>
+              <a:rPr lang="en-US" dirty="0"/>
+              <a:t>The </a:t>
+            </a:r>
+            <a:r>
+              <a:rPr lang="en-US" b="1" dirty="0" err="1"/>
+              <a:t>TextBox</a:t>
+            </a:r>
+            <a:r>
+              <a:rPr lang="en-US" b="1" dirty="0"/>
+              <a:t>()</a:t>
+            </a:r>
+            <a:r>
+              <a:rPr lang="en-US" dirty="0"/>
+              <a:t> HTML Helper method is a loosely typed method whereas the </a:t>
+            </a:r>
+            <a:r>
+              <a:rPr lang="en-US" b="1" dirty="0" err="1"/>
+              <a:t>TextBoxFor</a:t>
+            </a:r>
+            <a:r>
+              <a:rPr lang="en-US" b="1" dirty="0"/>
+              <a:t>()</a:t>
+            </a:r>
+            <a:r>
+              <a:rPr lang="en-US" dirty="0"/>
+              <a:t> HTML Helper method is a strongly typed </a:t>
+            </a:r>
+            <a:r>
+              <a:rPr lang="en-US"/>
+              <a:t>method</a:t>
+            </a:r>
+            <a:r>
+              <a:rPr lang="en-US" smtClean="0"/>
+              <a:t>.</a:t>
+            </a:r>
+          </a:p>
+          <a:p>
+            <a:pPr fontAlgn="base"/>
+            <a:endParaRPr lang="en-US" dirty="0" smtClean="0"/>
+          </a:p>
+          <a:p>
+            <a:pPr fontAlgn="base"/>
+            <a:endParaRPr lang="en-US" dirty="0"/>
+          </a:p>
+          <a:p>
+            <a:pPr fontAlgn="base"/>
+            <a:r>
+              <a:rPr lang="en-US" dirty="0" smtClean="0"/>
+              <a:t>For </a:t>
+            </a:r>
+            <a:r>
+              <a:rPr lang="en-US" dirty="0"/>
+              <a:t>example, if you want to generate a textbox with </a:t>
+            </a:r>
+            <a:r>
+              <a:rPr lang="en-US" b="1" dirty="0"/>
+              <a:t>id=”</a:t>
+            </a:r>
+            <a:r>
+              <a:rPr lang="en-US" b="1" dirty="0" err="1"/>
+              <a:t>firstname</a:t>
+            </a:r>
+            <a:r>
+              <a:rPr lang="en-US" b="1" dirty="0"/>
+              <a:t>”</a:t>
+            </a:r>
+            <a:r>
+              <a:rPr lang="en-US" dirty="0"/>
+              <a:t> and </a:t>
+            </a:r>
+            <a:r>
+              <a:rPr lang="en-US" b="1" dirty="0"/>
+              <a:t>name=”</a:t>
+            </a:r>
+            <a:r>
+              <a:rPr lang="en-US" b="1" dirty="0" err="1"/>
+              <a:t>firstname</a:t>
+            </a:r>
+            <a:r>
+              <a:rPr lang="en-US" b="1" dirty="0"/>
+              <a:t>”</a:t>
+            </a:r>
+            <a:r>
+              <a:rPr lang="en-US" dirty="0"/>
+              <a:t> then you can type all the required HTML in a view as shown below</a:t>
+            </a:r>
+          </a:p>
+          <a:p>
+            <a:pPr fontAlgn="base"/>
+            <a:r>
+              <a:rPr lang="en-US" b="1" dirty="0"/>
+              <a:t>&lt;input type=”text” name=”</a:t>
+            </a:r>
+            <a:r>
+              <a:rPr lang="en-US" b="1" dirty="0" err="1"/>
+              <a:t>firtsname</a:t>
+            </a:r>
+            <a:r>
+              <a:rPr lang="en-US" b="1" dirty="0"/>
+              <a:t>” id=”</a:t>
+            </a:r>
+            <a:r>
+              <a:rPr lang="en-US" b="1" dirty="0" err="1"/>
+              <a:t>firstname</a:t>
+            </a:r>
+            <a:r>
+              <a:rPr lang="en-US" b="1" dirty="0"/>
+              <a:t>” </a:t>
+            </a:r>
+            <a:r>
+              <a:rPr lang="en-US" b="1" dirty="0" smtClean="0"/>
+              <a:t>/&gt;</a:t>
+            </a:r>
+          </a:p>
+          <a:p>
+            <a:pPr fontAlgn="base"/>
+            <a:endParaRPr lang="en-US" b="1" dirty="0"/>
+          </a:p>
+          <a:p>
+            <a:pPr fontAlgn="base"/>
+            <a:r>
+              <a:rPr lang="en-US" dirty="0"/>
+              <a:t>But in MVC, you can use the following “</a:t>
+            </a:r>
+            <a:r>
+              <a:rPr lang="en-US" b="1" dirty="0" err="1"/>
+              <a:t>TextBox</a:t>
+            </a:r>
+            <a:r>
+              <a:rPr lang="en-US" dirty="0"/>
+              <a:t>” HTML helper method in a view to generating a text box. </a:t>
+            </a:r>
+          </a:p>
+          <a:p>
+            <a:pPr fontAlgn="base"/>
+            <a:r>
+              <a:rPr lang="en-US" b="1" dirty="0"/>
+              <a:t>@</a:t>
+            </a:r>
+            <a:r>
+              <a:rPr lang="en-US" b="1" dirty="0" err="1"/>
+              <a:t>Html.TextBox</a:t>
+            </a:r>
+            <a:r>
+              <a:rPr lang="en-US" b="1" dirty="0"/>
+              <a:t>(“</a:t>
+            </a:r>
+            <a:r>
+              <a:rPr lang="en-US" b="1" dirty="0" err="1"/>
+              <a:t>firstname</a:t>
+            </a:r>
+            <a:r>
+              <a:rPr lang="en-US" b="1" dirty="0"/>
+              <a:t>”) </a:t>
+            </a:r>
+            <a:endParaRPr lang="en-US" dirty="0"/>
+          </a:p>
+          <a:p>
+            <a:pPr fontAlgn="base"/>
+            <a:endParaRPr lang="en-US" dirty="0"/>
+          </a:p>
+        </p:txBody>
+      </p:sp>
+    </p:spTree>
+    <p:extLst>
+      <p:ext uri="{BB962C8B-B14F-4D97-AF65-F5344CB8AC3E}">
+        <p14:creationId xmlns:p14="http://schemas.microsoft.com/office/powerpoint/2010/main" val="1381833109"/>
+      </p:ext>
+    </p:extLst>
+  </p:cSld>
+  <p:clrMapOvr>
+    <a:masterClrMapping/>
+  </p:clrMapOvr>
+</p:sld>
+</file>
+
 <file path=ppt/slides/slide2.xml><?xml version="1.0" encoding="utf-8"?>
 <p:sld xmlns:a="http://schemas.openxmlformats.org/drawingml/2006/main" xmlns:r="http://schemas.openxmlformats.org/officeDocument/2006/relationships" xmlns:p="http://schemas.openxmlformats.org/presentationml/2006/main">
   <p:cSld>
@@ -4613,6 +4958,246 @@
       </p:par>
     </p:tnLst>
   </p:timing>
+</p:sld>
+</file>
+
+<file path=ppt/slides/slide8.xml><?xml version="1.0" encoding="utf-8"?>
+<p:sld xmlns:a="http://schemas.openxmlformats.org/drawingml/2006/main" xmlns:r="http://schemas.openxmlformats.org/officeDocument/2006/relationships" xmlns:p="http://schemas.openxmlformats.org/presentationml/2006/main">
+  <p:cSld>
+    <p:spTree>
+      <p:nvGrpSpPr>
+        <p:cNvPr id="1" name=""/>
+        <p:cNvGrpSpPr/>
+        <p:nvPr/>
+      </p:nvGrpSpPr>
+      <p:grpSpPr>
+        <a:xfrm>
+          <a:off x="0" y="0"/>
+          <a:ext cx="0" cy="0"/>
+          <a:chOff x="0" y="0"/>
+          <a:chExt cx="0" cy="0"/>
+        </a:xfrm>
+      </p:grpSpPr>
+      <p:sp>
+        <p:nvSpPr>
+          <p:cNvPr id="2" name="Rectangle 1"/>
+          <p:cNvSpPr/>
+          <p:nvPr/>
+        </p:nvSpPr>
+        <p:spPr>
+          <a:xfrm>
+            <a:off x="2209800" y="152400"/>
+            <a:ext cx="3406317" cy="369332"/>
+          </a:xfrm>
+          <a:prstGeom prst="rect">
+            <a:avLst/>
+          </a:prstGeom>
+        </p:spPr>
+        <p:txBody>
+          <a:bodyPr wrap="none">
+            <a:spAutoFit/>
+          </a:bodyPr>
+          <a:lstStyle/>
+          <a:p>
+            <a:pPr fontAlgn="base"/>
+            <a:r>
+              <a:rPr lang="en-US" b="1" dirty="0"/>
+              <a:t>HTML Helpers in MVC Application</a:t>
+            </a:r>
+            <a:endParaRPr lang="en-US" dirty="0"/>
+          </a:p>
+        </p:txBody>
+      </p:sp>
+      <p:sp>
+        <p:nvSpPr>
+          <p:cNvPr id="3" name="Rectangle 2"/>
+          <p:cNvSpPr/>
+          <p:nvPr/>
+        </p:nvSpPr>
+        <p:spPr>
+          <a:xfrm>
+            <a:off x="457200" y="762000"/>
+            <a:ext cx="8305800" cy="4524315"/>
+          </a:xfrm>
+          <a:prstGeom prst="rect">
+            <a:avLst/>
+          </a:prstGeom>
+        </p:spPr>
+        <p:txBody>
+          <a:bodyPr wrap="square">
+            <a:spAutoFit/>
+          </a:bodyPr>
+          <a:lstStyle/>
+          <a:p>
+            <a:pPr fontAlgn="base"/>
+            <a:r>
+              <a:rPr lang="en-US" b="1" dirty="0"/>
+              <a:t>Why HTML Helper in ASP.NET MVC</a:t>
+            </a:r>
+            <a:r>
+              <a:rPr lang="en-US" b="1" dirty="0" smtClean="0"/>
+              <a:t>?</a:t>
+            </a:r>
+          </a:p>
+          <a:p>
+            <a:pPr fontAlgn="base"/>
+            <a:endParaRPr lang="en-US" dirty="0"/>
+          </a:p>
+          <a:p>
+            <a:pPr fontAlgn="base"/>
+            <a:r>
+              <a:rPr lang="en-US" dirty="0"/>
+              <a:t>In our traditional ASP.NET web forms application, as a developer, we generally use the toolbox for adding controls on any particular web page. </a:t>
+            </a:r>
+            <a:endParaRPr lang="en-US" dirty="0" smtClean="0"/>
+          </a:p>
+          <a:p>
+            <a:pPr fontAlgn="base"/>
+            <a:endParaRPr lang="en-US" dirty="0"/>
+          </a:p>
+          <a:p>
+            <a:pPr fontAlgn="base"/>
+            <a:r>
+              <a:rPr lang="en-US" dirty="0" smtClean="0"/>
+              <a:t>However</a:t>
+            </a:r>
+            <a:r>
+              <a:rPr lang="en-US" dirty="0"/>
+              <a:t>, coming to ASP.NET MVC application there is no such toolbox available to drag and drop HTML controls on to the view. So those developers who are coming from ASP.NET Web Forms background, they find it little difficult to create views in ASP.NET MVC application</a:t>
+            </a:r>
+            <a:r>
+              <a:rPr lang="en-US" dirty="0" smtClean="0"/>
+              <a:t>.</a:t>
+            </a:r>
+          </a:p>
+          <a:p>
+            <a:pPr fontAlgn="base"/>
+            <a:endParaRPr lang="en-US" dirty="0"/>
+          </a:p>
+          <a:p>
+            <a:pPr fontAlgn="base"/>
+            <a:r>
+              <a:rPr lang="en-US" dirty="0"/>
+              <a:t>So, to overcome the above problem, the ASP.NET MVC Framework provides Html Helper classes which contain different extension methods. </a:t>
+            </a:r>
+            <a:endParaRPr lang="en-US" dirty="0" smtClean="0"/>
+          </a:p>
+          <a:p>
+            <a:pPr fontAlgn="base"/>
+            <a:endParaRPr lang="en-US" dirty="0"/>
+          </a:p>
+          <a:p>
+            <a:pPr fontAlgn="base"/>
+            <a:r>
+              <a:rPr lang="en-US" dirty="0" smtClean="0"/>
+              <a:t>We </a:t>
+            </a:r>
+            <a:r>
+              <a:rPr lang="en-US" dirty="0"/>
+              <a:t>can use those extension methods to create HTML controls programmatically within a view. </a:t>
+            </a:r>
+            <a:endParaRPr lang="en-US" dirty="0" smtClean="0"/>
+          </a:p>
+          <a:p>
+            <a:pPr fontAlgn="base"/>
+            <a:endParaRPr lang="en-US" dirty="0"/>
+          </a:p>
+        </p:txBody>
+      </p:sp>
+    </p:spTree>
+    <p:extLst>
+      <p:ext uri="{BB962C8B-B14F-4D97-AF65-F5344CB8AC3E}">
+        <p14:creationId xmlns:p14="http://schemas.microsoft.com/office/powerpoint/2010/main" val="2020766056"/>
+      </p:ext>
+    </p:extLst>
+  </p:cSld>
+  <p:clrMapOvr>
+    <a:masterClrMapping/>
+  </p:clrMapOvr>
+</p:sld>
+</file>
+
+<file path=ppt/slides/slide9.xml><?xml version="1.0" encoding="utf-8"?>
+<p:sld xmlns:a="http://schemas.openxmlformats.org/drawingml/2006/main" xmlns:r="http://schemas.openxmlformats.org/officeDocument/2006/relationships" xmlns:p="http://schemas.openxmlformats.org/presentationml/2006/main">
+  <p:cSld>
+    <p:spTree>
+      <p:nvGrpSpPr>
+        <p:cNvPr id="1" name=""/>
+        <p:cNvGrpSpPr/>
+        <p:nvPr/>
+      </p:nvGrpSpPr>
+      <p:grpSpPr>
+        <a:xfrm>
+          <a:off x="0" y="0"/>
+          <a:ext cx="0" cy="0"/>
+          <a:chOff x="0" y="0"/>
+          <a:chExt cx="0" cy="0"/>
+        </a:xfrm>
+      </p:grpSpPr>
+      <p:pic>
+        <p:nvPicPr>
+          <p:cNvPr id="1027" name="Picture 3"/>
+          <p:cNvPicPr>
+            <a:picLocks noChangeAspect="1" noChangeArrowheads="1"/>
+          </p:cNvPicPr>
+          <p:nvPr/>
+        </p:nvPicPr>
+        <p:blipFill>
+          <a:blip r:embed="rId2">
+            <a:extLst>
+              <a:ext uri="{28A0092B-C50C-407E-A947-70E740481C1C}">
+                <a14:useLocalDpi xmlns:a14="http://schemas.microsoft.com/office/drawing/2010/main" val="0"/>
+              </a:ext>
+            </a:extLst>
+          </a:blip>
+          <a:srcRect/>
+          <a:stretch>
+            <a:fillRect/>
+          </a:stretch>
+        </p:blipFill>
+        <p:spPr bwMode="auto">
+          <a:xfrm>
+            <a:off x="109538" y="1676400"/>
+            <a:ext cx="8924925" cy="2695575"/>
+          </a:xfrm>
+          <a:prstGeom prst="rect">
+            <a:avLst/>
+          </a:prstGeom>
+          <a:noFill/>
+          <a:ln>
+            <a:noFill/>
+          </a:ln>
+          <a:extLst>
+            <a:ext uri="{909E8E84-426E-40DD-AFC4-6F175D3DCCD1}">
+              <a14:hiddenFill xmlns:a14="http://schemas.microsoft.com/office/drawing/2010/main">
+                <a:solidFill>
+                  <a:schemeClr val="accent1"/>
+                </a:solidFill>
+              </a14:hiddenFill>
+            </a:ext>
+            <a:ext uri="{91240B29-F687-4F45-9708-019B960494DF}">
+              <a14:hiddenLine xmlns:a14="http://schemas.microsoft.com/office/drawing/2010/main" w="9525">
+                <a:solidFill>
+                  <a:schemeClr val="tx1"/>
+                </a:solidFill>
+                <a:miter lim="800000"/>
+                <a:headEnd/>
+                <a:tailEnd/>
+              </a14:hiddenLine>
+            </a:ext>
+          </a:extLst>
+        </p:spPr>
+      </p:pic>
+    </p:spTree>
+    <p:extLst>
+      <p:ext uri="{BB962C8B-B14F-4D97-AF65-F5344CB8AC3E}">
+        <p14:creationId xmlns:p14="http://schemas.microsoft.com/office/powerpoint/2010/main" val="1006894265"/>
+      </p:ext>
+    </p:extLst>
+  </p:cSld>
+  <p:clrMapOvr>
+    <a:masterClrMapping/>
+  </p:clrMapOvr>
 </p:sld>
 </file>
 

--- a/MVC/MVC_PPT.pptx
+++ b/MVC/MVC_PPT.pptx
@@ -15,6 +15,8 @@
     <p:sldId id="263" r:id="rId9"/>
     <p:sldId id="265" r:id="rId10"/>
     <p:sldId id="264" r:id="rId11"/>
+    <p:sldId id="266" r:id="rId12"/>
+    <p:sldId id="267" r:id="rId13"/>
   </p:sldIdLst>
   <p:sldSz cx="9144000" cy="6858000" type="screen4x3"/>
   <p:notesSz cx="6858000" cy="9144000"/>
@@ -297,7 +299,7 @@
           <a:p>
             <a:fld id="{267A312B-086F-43B0-88C9-851FDBD3826D}" type="datetimeFigureOut">
               <a:rPr lang="en-US" smtClean="0"/>
-              <a:t>9/25/2020</a:t>
+              <a:t>9/28/2020</a:t>
             </a:fld>
             <a:endParaRPr lang="en-US"/>
           </a:p>
@@ -467,7 +469,7 @@
           <a:p>
             <a:fld id="{267A312B-086F-43B0-88C9-851FDBD3826D}" type="datetimeFigureOut">
               <a:rPr lang="en-US" smtClean="0"/>
-              <a:t>9/25/2020</a:t>
+              <a:t>9/28/2020</a:t>
             </a:fld>
             <a:endParaRPr lang="en-US"/>
           </a:p>
@@ -647,7 +649,7 @@
           <a:p>
             <a:fld id="{267A312B-086F-43B0-88C9-851FDBD3826D}" type="datetimeFigureOut">
               <a:rPr lang="en-US" smtClean="0"/>
-              <a:t>9/25/2020</a:t>
+              <a:t>9/28/2020</a:t>
             </a:fld>
             <a:endParaRPr lang="en-US"/>
           </a:p>
@@ -817,7 +819,7 @@
           <a:p>
             <a:fld id="{267A312B-086F-43B0-88C9-851FDBD3826D}" type="datetimeFigureOut">
               <a:rPr lang="en-US" smtClean="0"/>
-              <a:t>9/25/2020</a:t>
+              <a:t>9/28/2020</a:t>
             </a:fld>
             <a:endParaRPr lang="en-US"/>
           </a:p>
@@ -1063,7 +1065,7 @@
           <a:p>
             <a:fld id="{267A312B-086F-43B0-88C9-851FDBD3826D}" type="datetimeFigureOut">
               <a:rPr lang="en-US" smtClean="0"/>
-              <a:t>9/25/2020</a:t>
+              <a:t>9/28/2020</a:t>
             </a:fld>
             <a:endParaRPr lang="en-US"/>
           </a:p>
@@ -1351,7 +1353,7 @@
           <a:p>
             <a:fld id="{267A312B-086F-43B0-88C9-851FDBD3826D}" type="datetimeFigureOut">
               <a:rPr lang="en-US" smtClean="0"/>
-              <a:t>9/25/2020</a:t>
+              <a:t>9/28/2020</a:t>
             </a:fld>
             <a:endParaRPr lang="en-US"/>
           </a:p>
@@ -1773,7 +1775,7 @@
           <a:p>
             <a:fld id="{267A312B-086F-43B0-88C9-851FDBD3826D}" type="datetimeFigureOut">
               <a:rPr lang="en-US" smtClean="0"/>
-              <a:t>9/25/2020</a:t>
+              <a:t>9/28/2020</a:t>
             </a:fld>
             <a:endParaRPr lang="en-US"/>
           </a:p>
@@ -1891,7 +1893,7 @@
           <a:p>
             <a:fld id="{267A312B-086F-43B0-88C9-851FDBD3826D}" type="datetimeFigureOut">
               <a:rPr lang="en-US" smtClean="0"/>
-              <a:t>9/25/2020</a:t>
+              <a:t>9/28/2020</a:t>
             </a:fld>
             <a:endParaRPr lang="en-US"/>
           </a:p>
@@ -1986,7 +1988,7 @@
           <a:p>
             <a:fld id="{267A312B-086F-43B0-88C9-851FDBD3826D}" type="datetimeFigureOut">
               <a:rPr lang="en-US" smtClean="0"/>
-              <a:t>9/25/2020</a:t>
+              <a:t>9/28/2020</a:t>
             </a:fld>
             <a:endParaRPr lang="en-US"/>
           </a:p>
@@ -2263,7 +2265,7 @@
           <a:p>
             <a:fld id="{267A312B-086F-43B0-88C9-851FDBD3826D}" type="datetimeFigureOut">
               <a:rPr lang="en-US" smtClean="0"/>
-              <a:t>9/25/2020</a:t>
+              <a:t>9/28/2020</a:t>
             </a:fld>
             <a:endParaRPr lang="en-US"/>
           </a:p>
@@ -2516,7 +2518,7 @@
           <a:p>
             <a:fld id="{267A312B-086F-43B0-88C9-851FDBD3826D}" type="datetimeFigureOut">
               <a:rPr lang="en-US" smtClean="0"/>
-              <a:t>9/25/2020</a:t>
+              <a:t>9/28/2020</a:t>
             </a:fld>
             <a:endParaRPr lang="en-US"/>
           </a:p>
@@ -2729,7 +2731,7 @@
           <a:p>
             <a:fld id="{267A312B-086F-43B0-88C9-851FDBD3826D}" type="datetimeFigureOut">
               <a:rPr lang="en-US" smtClean="0"/>
-              <a:t>9/25/2020</a:t>
+              <a:t>9/28/2020</a:t>
             </a:fld>
             <a:endParaRPr lang="en-US"/>
           </a:p>
@@ -3624,6 +3626,429 @@
     <p:extLst>
       <p:ext uri="{BB962C8B-B14F-4D97-AF65-F5344CB8AC3E}">
         <p14:creationId xmlns:p14="http://schemas.microsoft.com/office/powerpoint/2010/main" val="1381833109"/>
+      </p:ext>
+    </p:extLst>
+  </p:cSld>
+  <p:clrMapOvr>
+    <a:masterClrMapping/>
+  </p:clrMapOvr>
+</p:sld>
+</file>
+
+<file path=ppt/slides/slide11.xml><?xml version="1.0" encoding="utf-8"?>
+<p:sld xmlns:a="http://schemas.openxmlformats.org/drawingml/2006/main" xmlns:r="http://schemas.openxmlformats.org/officeDocument/2006/relationships" xmlns:p="http://schemas.openxmlformats.org/presentationml/2006/main">
+  <p:cSld>
+    <p:spTree>
+      <p:nvGrpSpPr>
+        <p:cNvPr id="1" name=""/>
+        <p:cNvGrpSpPr/>
+        <p:nvPr/>
+      </p:nvGrpSpPr>
+      <p:grpSpPr>
+        <a:xfrm>
+          <a:off x="0" y="0"/>
+          <a:ext cx="0" cy="0"/>
+          <a:chOff x="0" y="0"/>
+          <a:chExt cx="0" cy="0"/>
+        </a:xfrm>
+      </p:grpSpPr>
+      <p:sp>
+        <p:nvSpPr>
+          <p:cNvPr id="2" name="Rectangle 1"/>
+          <p:cNvSpPr/>
+          <p:nvPr/>
+        </p:nvSpPr>
+        <p:spPr>
+          <a:xfrm>
+            <a:off x="304800" y="304800"/>
+            <a:ext cx="8382000" cy="3970318"/>
+          </a:xfrm>
+          <a:prstGeom prst="rect">
+            <a:avLst/>
+          </a:prstGeom>
+        </p:spPr>
+        <p:txBody>
+          <a:bodyPr wrap="square">
+            <a:spAutoFit/>
+          </a:bodyPr>
+          <a:lstStyle/>
+          <a:p>
+            <a:r>
+              <a:rPr lang="en-US" b="1" dirty="0"/>
+              <a:t>Partial </a:t>
+            </a:r>
+            <a:r>
+              <a:rPr lang="en-US" b="1" dirty="0" smtClean="0"/>
+              <a:t>View</a:t>
+            </a:r>
+          </a:p>
+          <a:p>
+            <a:endParaRPr lang="en-US" b="1" dirty="0"/>
+          </a:p>
+          <a:p>
+            <a:pPr marL="285750" indent="-285750">
+              <a:buFont typeface="Wingdings" panose="05000000000000000000" pitchFamily="2" charset="2"/>
+              <a:buChar char="§"/>
+            </a:pPr>
+            <a:r>
+              <a:rPr lang="en-US" dirty="0"/>
+              <a:t>Partial view in ASP.NET MVC is special view which renders a portion of view content</a:t>
+            </a:r>
+            <a:r>
+              <a:rPr lang="en-US" dirty="0" smtClean="0"/>
+              <a:t>.</a:t>
+            </a:r>
+          </a:p>
+          <a:p>
+            <a:pPr marL="285750" indent="-285750">
+              <a:buFont typeface="Wingdings" panose="05000000000000000000" pitchFamily="2" charset="2"/>
+              <a:buChar char="§"/>
+            </a:pPr>
+            <a:r>
+              <a:rPr lang="en-US" dirty="0"/>
+              <a:t>It is just like a user control of a web form application. </a:t>
+            </a:r>
+            <a:endParaRPr lang="en-US" dirty="0" smtClean="0"/>
+          </a:p>
+          <a:p>
+            <a:pPr marL="285750" indent="-285750">
+              <a:buFont typeface="Wingdings" panose="05000000000000000000" pitchFamily="2" charset="2"/>
+              <a:buChar char="§"/>
+            </a:pPr>
+            <a:r>
+              <a:rPr lang="en-US"/>
+              <a:t>Partial </a:t>
+            </a:r>
+            <a:r>
+              <a:rPr lang="en-US" smtClean="0"/>
+              <a:t>view can </a:t>
+            </a:r>
+            <a:r>
+              <a:rPr lang="en-US" dirty="0"/>
+              <a:t>be reusable in multiple views. </a:t>
+            </a:r>
+            <a:endParaRPr lang="en-US" dirty="0" smtClean="0"/>
+          </a:p>
+          <a:p>
+            <a:pPr marL="285750" indent="-285750">
+              <a:buFont typeface="Wingdings" panose="05000000000000000000" pitchFamily="2" charset="2"/>
+              <a:buChar char="§"/>
+            </a:pPr>
+            <a:r>
+              <a:rPr lang="en-US" dirty="0"/>
+              <a:t>It helps us to reduce code duplication</a:t>
+            </a:r>
+            <a:r>
+              <a:rPr lang="en-US" dirty="0" smtClean="0"/>
+              <a:t>.</a:t>
+            </a:r>
+          </a:p>
+          <a:p>
+            <a:pPr marL="285750" indent="-285750">
+              <a:buFont typeface="Wingdings" panose="05000000000000000000" pitchFamily="2" charset="2"/>
+              <a:buChar char="§"/>
+            </a:pPr>
+            <a:r>
+              <a:rPr lang="en-US" dirty="0"/>
+              <a:t>In other word a partial view enables us to render a view within the parent view</a:t>
+            </a:r>
+            <a:r>
+              <a:rPr lang="en-US" dirty="0" smtClean="0"/>
+              <a:t>.</a:t>
+            </a:r>
+          </a:p>
+          <a:p>
+            <a:pPr marL="285750" indent="-285750">
+              <a:buFont typeface="Wingdings" panose="05000000000000000000" pitchFamily="2" charset="2"/>
+              <a:buChar char="§"/>
+            </a:pPr>
+            <a:r>
+              <a:rPr lang="en-US" dirty="0"/>
+              <a:t>Creating Partial View</a:t>
+            </a:r>
+          </a:p>
+          <a:p>
+            <a:endParaRPr lang="en-US" dirty="0" smtClean="0"/>
+          </a:p>
+          <a:p>
+            <a:r>
+              <a:rPr lang="en-US" b="1" dirty="0" smtClean="0"/>
+              <a:t>Creating </a:t>
+            </a:r>
+            <a:r>
+              <a:rPr lang="en-US" b="1" dirty="0"/>
+              <a:t>Partial </a:t>
+            </a:r>
+            <a:r>
+              <a:rPr lang="en-US" b="1" dirty="0" smtClean="0"/>
+              <a:t>View</a:t>
+            </a:r>
+          </a:p>
+          <a:p>
+            <a:r>
+              <a:rPr lang="en-US" dirty="0"/>
+              <a:t>To create a partial view, right-click on view -&gt; shared folder and select Add -&gt; View option. In this way we can add a partial view</a:t>
+            </a:r>
+            <a:r>
+              <a:rPr lang="en-US" dirty="0" smtClean="0"/>
+              <a:t>.</a:t>
+            </a:r>
+          </a:p>
+          <a:p>
+            <a:endParaRPr lang="en-US" b="1" dirty="0"/>
+          </a:p>
+          <a:p>
+            <a:endParaRPr lang="en-US" b="1" dirty="0"/>
+          </a:p>
+        </p:txBody>
+      </p:sp>
+      <p:pic>
+        <p:nvPicPr>
+          <p:cNvPr id="1026" name="Picture 2"/>
+          <p:cNvPicPr>
+            <a:picLocks noChangeAspect="1" noChangeArrowheads="1"/>
+          </p:cNvPicPr>
+          <p:nvPr/>
+        </p:nvPicPr>
+        <p:blipFill>
+          <a:blip r:embed="rId2">
+            <a:extLst>
+              <a:ext uri="{28A0092B-C50C-407E-A947-70E740481C1C}">
+                <a14:useLocalDpi xmlns:a14="http://schemas.microsoft.com/office/drawing/2010/main" val="0"/>
+              </a:ext>
+            </a:extLst>
+          </a:blip>
+          <a:srcRect/>
+          <a:stretch>
+            <a:fillRect/>
+          </a:stretch>
+        </p:blipFill>
+        <p:spPr bwMode="auto">
+          <a:xfrm>
+            <a:off x="533400" y="3962400"/>
+            <a:ext cx="5067300" cy="2390775"/>
+          </a:xfrm>
+          <a:prstGeom prst="rect">
+            <a:avLst/>
+          </a:prstGeom>
+          <a:noFill/>
+          <a:ln>
+            <a:noFill/>
+          </a:ln>
+          <a:extLst>
+            <a:ext uri="{909E8E84-426E-40DD-AFC4-6F175D3DCCD1}">
+              <a14:hiddenFill xmlns:a14="http://schemas.microsoft.com/office/drawing/2010/main">
+                <a:solidFill>
+                  <a:schemeClr val="accent1"/>
+                </a:solidFill>
+              </a14:hiddenFill>
+            </a:ext>
+            <a:ext uri="{91240B29-F687-4F45-9708-019B960494DF}">
+              <a14:hiddenLine xmlns:a14="http://schemas.microsoft.com/office/drawing/2010/main" w="9525">
+                <a:solidFill>
+                  <a:schemeClr val="tx1"/>
+                </a:solidFill>
+                <a:miter lim="800000"/>
+                <a:headEnd/>
+                <a:tailEnd/>
+              </a14:hiddenLine>
+            </a:ext>
+          </a:extLst>
+        </p:spPr>
+      </p:pic>
+    </p:spTree>
+    <p:extLst>
+      <p:ext uri="{BB962C8B-B14F-4D97-AF65-F5344CB8AC3E}">
+        <p14:creationId xmlns:p14="http://schemas.microsoft.com/office/powerpoint/2010/main" val="2479407701"/>
+      </p:ext>
+    </p:extLst>
+  </p:cSld>
+  <p:clrMapOvr>
+    <a:masterClrMapping/>
+  </p:clrMapOvr>
+</p:sld>
+</file>
+
+<file path=ppt/slides/slide12.xml><?xml version="1.0" encoding="utf-8"?>
+<p:sld xmlns:a="http://schemas.openxmlformats.org/drawingml/2006/main" xmlns:r="http://schemas.openxmlformats.org/officeDocument/2006/relationships" xmlns:p="http://schemas.openxmlformats.org/presentationml/2006/main">
+  <p:cSld>
+    <p:spTree>
+      <p:nvGrpSpPr>
+        <p:cNvPr id="1" name=""/>
+        <p:cNvGrpSpPr/>
+        <p:nvPr/>
+      </p:nvGrpSpPr>
+      <p:grpSpPr>
+        <a:xfrm>
+          <a:off x="0" y="0"/>
+          <a:ext cx="0" cy="0"/>
+          <a:chOff x="0" y="0"/>
+          <a:chExt cx="0" cy="0"/>
+        </a:xfrm>
+      </p:grpSpPr>
+      <p:sp>
+        <p:nvSpPr>
+          <p:cNvPr id="2" name="Rectangle 1"/>
+          <p:cNvSpPr/>
+          <p:nvPr/>
+        </p:nvSpPr>
+        <p:spPr>
+          <a:xfrm>
+            <a:off x="228600" y="304801"/>
+            <a:ext cx="8458200" cy="1200329"/>
+          </a:xfrm>
+          <a:prstGeom prst="rect">
+            <a:avLst/>
+          </a:prstGeom>
+        </p:spPr>
+        <p:txBody>
+          <a:bodyPr wrap="square">
+            <a:spAutoFit/>
+          </a:bodyPr>
+          <a:lstStyle/>
+          <a:p>
+            <a:pPr marL="285750" indent="-285750">
+              <a:buFont typeface="Wingdings" panose="05000000000000000000" pitchFamily="2" charset="2"/>
+              <a:buChar char="§"/>
+            </a:pPr>
+            <a:r>
+              <a:rPr lang="en-US" dirty="0"/>
+              <a:t>It is not mandatory to create a partial view in a shared folder but a partial view is mostly used as a reusable component, it is a good practice to put it in the "shared" folder</a:t>
+            </a:r>
+            <a:r>
+              <a:rPr lang="en-US" dirty="0" smtClean="0"/>
+              <a:t>.</a:t>
+            </a:r>
+          </a:p>
+          <a:p>
+            <a:pPr marL="285750" indent="-285750">
+              <a:buFont typeface="Wingdings" panose="05000000000000000000" pitchFamily="2" charset="2"/>
+              <a:buChar char="§"/>
+            </a:pPr>
+            <a:endParaRPr lang="en-US" dirty="0"/>
+          </a:p>
+        </p:txBody>
+      </p:sp>
+      <p:pic>
+        <p:nvPicPr>
+          <p:cNvPr id="2050" name="Picture 2"/>
+          <p:cNvPicPr>
+            <a:picLocks noChangeAspect="1" noChangeArrowheads="1"/>
+          </p:cNvPicPr>
+          <p:nvPr/>
+        </p:nvPicPr>
+        <p:blipFill>
+          <a:blip r:embed="rId2">
+            <a:extLst>
+              <a:ext uri="{28A0092B-C50C-407E-A947-70E740481C1C}">
+                <a14:useLocalDpi xmlns:a14="http://schemas.microsoft.com/office/drawing/2010/main" val="0"/>
+              </a:ext>
+            </a:extLst>
+          </a:blip>
+          <a:srcRect/>
+          <a:stretch>
+            <a:fillRect/>
+          </a:stretch>
+        </p:blipFill>
+        <p:spPr bwMode="auto">
+          <a:xfrm>
+            <a:off x="609600" y="1505130"/>
+            <a:ext cx="4067175" cy="2571750"/>
+          </a:xfrm>
+          <a:prstGeom prst="rect">
+            <a:avLst/>
+          </a:prstGeom>
+          <a:noFill/>
+          <a:ln>
+            <a:noFill/>
+          </a:ln>
+          <a:extLst>
+            <a:ext uri="{909E8E84-426E-40DD-AFC4-6F175D3DCCD1}">
+              <a14:hiddenFill xmlns:a14="http://schemas.microsoft.com/office/drawing/2010/main">
+                <a:solidFill>
+                  <a:schemeClr val="accent1"/>
+                </a:solidFill>
+              </a14:hiddenFill>
+            </a:ext>
+            <a:ext uri="{91240B29-F687-4F45-9708-019B960494DF}">
+              <a14:hiddenLine xmlns:a14="http://schemas.microsoft.com/office/drawing/2010/main" w="9525">
+                <a:solidFill>
+                  <a:schemeClr val="tx1"/>
+                </a:solidFill>
+                <a:miter lim="800000"/>
+                <a:headEnd/>
+                <a:tailEnd/>
+              </a14:hiddenLine>
+            </a:ext>
+          </a:extLst>
+        </p:spPr>
+      </p:pic>
+      <p:sp>
+        <p:nvSpPr>
+          <p:cNvPr id="3" name="Rectangle 2"/>
+          <p:cNvSpPr/>
+          <p:nvPr/>
+        </p:nvSpPr>
+        <p:spPr>
+          <a:xfrm>
+            <a:off x="357186" y="4572000"/>
+            <a:ext cx="8634413" cy="923330"/>
+          </a:xfrm>
+          <a:prstGeom prst="rect">
+            <a:avLst/>
+          </a:prstGeom>
+        </p:spPr>
+        <p:txBody>
+          <a:bodyPr wrap="square">
+            <a:spAutoFit/>
+          </a:bodyPr>
+          <a:lstStyle/>
+          <a:p>
+            <a:r>
+              <a:rPr lang="en-US" dirty="0"/>
+              <a:t>HTML </a:t>
+            </a:r>
+            <a:r>
+              <a:rPr lang="en-US" dirty="0" smtClean="0"/>
+              <a:t>helper “Partial” is used  </a:t>
+            </a:r>
+            <a:r>
+              <a:rPr lang="en-US" dirty="0"/>
+              <a:t>for rendering the partial view: </a:t>
+            </a:r>
+            <a:endParaRPr lang="en-US" dirty="0" smtClean="0"/>
+          </a:p>
+          <a:p>
+            <a:endParaRPr lang="en-US" dirty="0"/>
+          </a:p>
+          <a:p>
+            <a:r>
+              <a:rPr lang="en-US" dirty="0"/>
+              <a:t> @</a:t>
+            </a:r>
+            <a:r>
+              <a:rPr lang="en-US" dirty="0" err="1"/>
+              <a:t>Html.Partial</a:t>
+            </a:r>
+            <a:r>
+              <a:rPr lang="en-US" dirty="0"/>
+              <a:t>("</a:t>
+            </a:r>
+            <a:r>
+              <a:rPr lang="en-US" dirty="0" err="1"/>
+              <a:t>PartialViewExample</a:t>
+            </a:r>
+            <a:r>
+              <a:rPr lang="en-US" dirty="0"/>
+              <a:t>")    </a:t>
+            </a:r>
+          </a:p>
+        </p:txBody>
+      </p:sp>
+    </p:spTree>
+    <p:extLst>
+      <p:ext uri="{BB962C8B-B14F-4D97-AF65-F5344CB8AC3E}">
+        <p14:creationId xmlns:p14="http://schemas.microsoft.com/office/powerpoint/2010/main" val="2653025635"/>
       </p:ext>
     </p:extLst>
   </p:cSld>
